--- a/docs/diagrams/UndoRedoStartingStateListDiagram.pptx
+++ b/docs/diagrams/UndoRedoStartingStateListDiagram.pptx
@@ -112,10 +112,6 @@
 </p:presentation>
 </file>
 
-<file path=ppt/revisionInfo.xml><?xml version="1.0" encoding="utf-8"?>
-<p1510:revInfo xmlns:a="http://schemas.openxmlformats.org/drawingml/2006/main" xmlns:r="http://schemas.openxmlformats.org/officeDocument/2006/relationships" xmlns:p1510="http://schemas.microsoft.com/office/powerpoint/2015/10/main"/>
-</file>
-
 <file path=ppt/slideLayouts/slideLayout1.xml><?xml version="1.0" encoding="utf-8"?>
 <p:sldLayout xmlns:a="http://schemas.openxmlformats.org/drawingml/2006/main" xmlns:r="http://schemas.openxmlformats.org/officeDocument/2006/relationships" xmlns:p="http://schemas.openxmlformats.org/presentationml/2006/main" type="title" preserve="1">
   <p:cSld name="Title Slide">
@@ -245,7 +241,7 @@
           <a:p>
             <a:fld id="{8B2F8DF3-7CFE-4C7E-A62E-FD00A81FB0CD}" type="datetimeFigureOut">
               <a:rPr lang="en-US" smtClean="0"/>
-              <a:t>7/6/2018</a:t>
+              <a:t>9/28/18</a:t>
             </a:fld>
             <a:endParaRPr lang="en-US"/>
           </a:p>
@@ -413,7 +409,7 @@
           <a:p>
             <a:fld id="{8B2F8DF3-7CFE-4C7E-A62E-FD00A81FB0CD}" type="datetimeFigureOut">
               <a:rPr lang="en-US" smtClean="0"/>
-              <a:t>7/6/2018</a:t>
+              <a:t>9/28/18</a:t>
             </a:fld>
             <a:endParaRPr lang="en-US"/>
           </a:p>
@@ -591,7 +587,7 @@
           <a:p>
             <a:fld id="{8B2F8DF3-7CFE-4C7E-A62E-FD00A81FB0CD}" type="datetimeFigureOut">
               <a:rPr lang="en-US" smtClean="0"/>
-              <a:t>7/6/2018</a:t>
+              <a:t>9/28/18</a:t>
             </a:fld>
             <a:endParaRPr lang="en-US"/>
           </a:p>
@@ -759,7 +755,7 @@
           <a:p>
             <a:fld id="{8B2F8DF3-7CFE-4C7E-A62E-FD00A81FB0CD}" type="datetimeFigureOut">
               <a:rPr lang="en-US" smtClean="0"/>
-              <a:t>7/6/2018</a:t>
+              <a:t>9/28/18</a:t>
             </a:fld>
             <a:endParaRPr lang="en-US"/>
           </a:p>
@@ -1004,7 +1000,7 @@
           <a:p>
             <a:fld id="{8B2F8DF3-7CFE-4C7E-A62E-FD00A81FB0CD}" type="datetimeFigureOut">
               <a:rPr lang="en-US" smtClean="0"/>
-              <a:t>7/6/2018</a:t>
+              <a:t>9/28/18</a:t>
             </a:fld>
             <a:endParaRPr lang="en-US"/>
           </a:p>
@@ -1233,7 +1229,7 @@
           <a:p>
             <a:fld id="{8B2F8DF3-7CFE-4C7E-A62E-FD00A81FB0CD}" type="datetimeFigureOut">
               <a:rPr lang="en-US" smtClean="0"/>
-              <a:t>7/6/2018</a:t>
+              <a:t>9/28/18</a:t>
             </a:fld>
             <a:endParaRPr lang="en-US"/>
           </a:p>
@@ -1597,7 +1593,7 @@
           <a:p>
             <a:fld id="{8B2F8DF3-7CFE-4C7E-A62E-FD00A81FB0CD}" type="datetimeFigureOut">
               <a:rPr lang="en-US" smtClean="0"/>
-              <a:t>7/6/2018</a:t>
+              <a:t>9/28/18</a:t>
             </a:fld>
             <a:endParaRPr lang="en-US"/>
           </a:p>
@@ -1714,7 +1710,7 @@
           <a:p>
             <a:fld id="{8B2F8DF3-7CFE-4C7E-A62E-FD00A81FB0CD}" type="datetimeFigureOut">
               <a:rPr lang="en-US" smtClean="0"/>
-              <a:t>7/6/2018</a:t>
+              <a:t>9/28/18</a:t>
             </a:fld>
             <a:endParaRPr lang="en-US"/>
           </a:p>
@@ -1809,7 +1805,7 @@
           <a:p>
             <a:fld id="{8B2F8DF3-7CFE-4C7E-A62E-FD00A81FB0CD}" type="datetimeFigureOut">
               <a:rPr lang="en-US" smtClean="0"/>
-              <a:t>7/6/2018</a:t>
+              <a:t>9/28/18</a:t>
             </a:fld>
             <a:endParaRPr lang="en-US"/>
           </a:p>
@@ -2084,7 +2080,7 @@
           <a:p>
             <a:fld id="{8B2F8DF3-7CFE-4C7E-A62E-FD00A81FB0CD}" type="datetimeFigureOut">
               <a:rPr lang="en-US" smtClean="0"/>
-              <a:t>7/6/2018</a:t>
+              <a:t>9/28/18</a:t>
             </a:fld>
             <a:endParaRPr lang="en-US"/>
           </a:p>
@@ -2336,7 +2332,7 @@
           <a:p>
             <a:fld id="{8B2F8DF3-7CFE-4C7E-A62E-FD00A81FB0CD}" type="datetimeFigureOut">
               <a:rPr lang="en-US" smtClean="0"/>
-              <a:t>7/6/2018</a:t>
+              <a:t>9/28/18</a:t>
             </a:fld>
             <a:endParaRPr lang="en-US"/>
           </a:p>
@@ -2547,7 +2543,7 @@
           <a:p>
             <a:fld id="{8B2F8DF3-7CFE-4C7E-A62E-FD00A81FB0CD}" type="datetimeFigureOut">
               <a:rPr lang="en-US" smtClean="0"/>
-              <a:t>7/6/2018</a:t>
+              <a:t>9/28/18</a:t>
             </a:fld>
             <a:endParaRPr lang="en-US"/>
           </a:p>
@@ -3011,7 +3007,7 @@
           <p:nvPr>
             <p:extLst>
               <p:ext uri="{D42A27DB-BD31-4B8C-83A1-F6EECF244321}">
-                <p14:modId xmlns:p14="http://schemas.microsoft.com/office/powerpoint/2010/main" val="1292556626"/>
+                <p14:modId xmlns:p14="http://schemas.microsoft.com/office/powerpoint/2010/main" val="3995094705"/>
               </p:ext>
             </p:extLst>
           </p:nvPr>
@@ -3042,12 +3038,20 @@
                     <a:lstStyle/>
                     <a:p>
                       <a:r>
+                        <a:rPr lang="en-US" altLang="zh-CN" u="sng" dirty="0"/>
+                        <a:t>f</a:t>
+                      </a:r>
+                      <a:r>
                         <a:rPr lang="en-SG" u="sng" dirty="0"/>
-                        <a:t>ab0:</a:t>
+                        <a:t>b0:</a:t>
+                      </a:r>
+                      <a:r>
+                        <a:rPr lang="en-US" altLang="zh-CN" sz="1800" u="sng" dirty="0"/>
+                        <a:t>Forum</a:t>
                       </a:r>
                       <a:r>
                         <a:rPr lang="en-SG" sz="1800" u="sng" dirty="0"/>
-                        <a:t>AddressBook</a:t>
+                        <a:t>Book</a:t>
                       </a:r>
                       <a:endParaRPr lang="en-SG" sz="1600" u="sng" dirty="0"/>
                     </a:p>

--- a/docs/diagrams/UndoRedoStartingStateListDiagram.pptx
+++ b/docs/diagrams/UndoRedoStartingStateListDiagram.pptx
@@ -112,10 +112,6 @@
 </p:presentation>
 </file>
 
-<file path=ppt/revisionInfo.xml><?xml version="1.0" encoding="utf-8"?>
-<p1510:revInfo xmlns:a="http://schemas.openxmlformats.org/drawingml/2006/main" xmlns:r="http://schemas.openxmlformats.org/officeDocument/2006/relationships" xmlns:p1510="http://schemas.microsoft.com/office/powerpoint/2015/10/main"/>
-</file>
-
 <file path=ppt/slideLayouts/slideLayout1.xml><?xml version="1.0" encoding="utf-8"?>
 <p:sldLayout xmlns:a="http://schemas.openxmlformats.org/drawingml/2006/main" xmlns:r="http://schemas.openxmlformats.org/officeDocument/2006/relationships" xmlns:p="http://schemas.openxmlformats.org/presentationml/2006/main" type="title" preserve="1">
   <p:cSld name="Title Slide">
@@ -245,7 +241,7 @@
           <a:p>
             <a:fld id="{8B2F8DF3-7CFE-4C7E-A62E-FD00A81FB0CD}" type="datetimeFigureOut">
               <a:rPr lang="en-US" smtClean="0"/>
-              <a:t>7/6/2018</a:t>
+              <a:t>10/21/2018</a:t>
             </a:fld>
             <a:endParaRPr lang="en-US"/>
           </a:p>
@@ -413,7 +409,7 @@
           <a:p>
             <a:fld id="{8B2F8DF3-7CFE-4C7E-A62E-FD00A81FB0CD}" type="datetimeFigureOut">
               <a:rPr lang="en-US" smtClean="0"/>
-              <a:t>7/6/2018</a:t>
+              <a:t>10/21/2018</a:t>
             </a:fld>
             <a:endParaRPr lang="en-US"/>
           </a:p>
@@ -591,7 +587,7 @@
           <a:p>
             <a:fld id="{8B2F8DF3-7CFE-4C7E-A62E-FD00A81FB0CD}" type="datetimeFigureOut">
               <a:rPr lang="en-US" smtClean="0"/>
-              <a:t>7/6/2018</a:t>
+              <a:t>10/21/2018</a:t>
             </a:fld>
             <a:endParaRPr lang="en-US"/>
           </a:p>
@@ -759,7 +755,7 @@
           <a:p>
             <a:fld id="{8B2F8DF3-7CFE-4C7E-A62E-FD00A81FB0CD}" type="datetimeFigureOut">
               <a:rPr lang="en-US" smtClean="0"/>
-              <a:t>7/6/2018</a:t>
+              <a:t>10/21/2018</a:t>
             </a:fld>
             <a:endParaRPr lang="en-US"/>
           </a:p>
@@ -1004,7 +1000,7 @@
           <a:p>
             <a:fld id="{8B2F8DF3-7CFE-4C7E-A62E-FD00A81FB0CD}" type="datetimeFigureOut">
               <a:rPr lang="en-US" smtClean="0"/>
-              <a:t>7/6/2018</a:t>
+              <a:t>10/21/2018</a:t>
             </a:fld>
             <a:endParaRPr lang="en-US"/>
           </a:p>
@@ -1233,7 +1229,7 @@
           <a:p>
             <a:fld id="{8B2F8DF3-7CFE-4C7E-A62E-FD00A81FB0CD}" type="datetimeFigureOut">
               <a:rPr lang="en-US" smtClean="0"/>
-              <a:t>7/6/2018</a:t>
+              <a:t>10/21/2018</a:t>
             </a:fld>
             <a:endParaRPr lang="en-US"/>
           </a:p>
@@ -1597,7 +1593,7 @@
           <a:p>
             <a:fld id="{8B2F8DF3-7CFE-4C7E-A62E-FD00A81FB0CD}" type="datetimeFigureOut">
               <a:rPr lang="en-US" smtClean="0"/>
-              <a:t>7/6/2018</a:t>
+              <a:t>10/21/2018</a:t>
             </a:fld>
             <a:endParaRPr lang="en-US"/>
           </a:p>
@@ -1714,7 +1710,7 @@
           <a:p>
             <a:fld id="{8B2F8DF3-7CFE-4C7E-A62E-FD00A81FB0CD}" type="datetimeFigureOut">
               <a:rPr lang="en-US" smtClean="0"/>
-              <a:t>7/6/2018</a:t>
+              <a:t>10/21/2018</a:t>
             </a:fld>
             <a:endParaRPr lang="en-US"/>
           </a:p>
@@ -1809,7 +1805,7 @@
           <a:p>
             <a:fld id="{8B2F8DF3-7CFE-4C7E-A62E-FD00A81FB0CD}" type="datetimeFigureOut">
               <a:rPr lang="en-US" smtClean="0"/>
-              <a:t>7/6/2018</a:t>
+              <a:t>10/21/2018</a:t>
             </a:fld>
             <a:endParaRPr lang="en-US"/>
           </a:p>
@@ -2084,7 +2080,7 @@
           <a:p>
             <a:fld id="{8B2F8DF3-7CFE-4C7E-A62E-FD00A81FB0CD}" type="datetimeFigureOut">
               <a:rPr lang="en-US" smtClean="0"/>
-              <a:t>7/6/2018</a:t>
+              <a:t>10/21/2018</a:t>
             </a:fld>
             <a:endParaRPr lang="en-US"/>
           </a:p>
@@ -2336,7 +2332,7 @@
           <a:p>
             <a:fld id="{8B2F8DF3-7CFE-4C7E-A62E-FD00A81FB0CD}" type="datetimeFigureOut">
               <a:rPr lang="en-US" smtClean="0"/>
-              <a:t>7/6/2018</a:t>
+              <a:t>10/21/2018</a:t>
             </a:fld>
             <a:endParaRPr lang="en-US"/>
           </a:p>
@@ -2547,7 +2543,7 @@
           <a:p>
             <a:fld id="{8B2F8DF3-7CFE-4C7E-A62E-FD00A81FB0CD}" type="datetimeFigureOut">
               <a:rPr lang="en-US" smtClean="0"/>
-              <a:t>7/6/2018</a:t>
+              <a:t>10/21/2018</a:t>
             </a:fld>
             <a:endParaRPr lang="en-US"/>
           </a:p>
@@ -3011,7 +3007,7 @@
           <p:nvPr>
             <p:extLst>
               <p:ext uri="{D42A27DB-BD31-4B8C-83A1-F6EECF244321}">
-                <p14:modId xmlns:p14="http://schemas.microsoft.com/office/powerpoint/2010/main" val="1292556626"/>
+                <p14:modId xmlns:p14="http://schemas.microsoft.com/office/powerpoint/2010/main" val="285856317"/>
               </p:ext>
             </p:extLst>
           </p:nvPr>
@@ -3042,12 +3038,12 @@
                     <a:lstStyle/>
                     <a:p>
                       <a:r>
-                        <a:rPr lang="en-SG" u="sng" dirty="0"/>
+                        <a:rPr lang="en-SG" u="sng"/>
                         <a:t>ab0:</a:t>
                       </a:r>
                       <a:r>
-                        <a:rPr lang="en-SG" sz="1800" u="sng" dirty="0"/>
-                        <a:t>AddressBook</a:t>
+                        <a:rPr lang="en-SG" sz="1800" u="sng"/>
+                        <a:t>TaskBook</a:t>
                       </a:r>
                       <a:endParaRPr lang="en-SG" sz="1600" u="sng" dirty="0"/>
                     </a:p>

--- a/docs/diagrams/UndoRedoStartingStateListDiagram.pptx
+++ b/docs/diagrams/UndoRedoStartingStateListDiagram.pptx
@@ -112,10 +112,6 @@
 </p:presentation>
 </file>
 
-<file path=ppt/revisionInfo.xml><?xml version="1.0" encoding="utf-8"?>
-<p1510:revInfo xmlns:a="http://schemas.openxmlformats.org/drawingml/2006/main" xmlns:r="http://schemas.openxmlformats.org/officeDocument/2006/relationships" xmlns:p1510="http://schemas.microsoft.com/office/powerpoint/2015/10/main"/>
-</file>
-
 <file path=ppt/slideLayouts/slideLayout1.xml><?xml version="1.0" encoding="utf-8"?>
 <p:sldLayout xmlns:a="http://schemas.openxmlformats.org/drawingml/2006/main" xmlns:r="http://schemas.openxmlformats.org/officeDocument/2006/relationships" xmlns:p="http://schemas.openxmlformats.org/presentationml/2006/main" type="title" preserve="1">
   <p:cSld name="Title Slide">
@@ -245,7 +241,7 @@
           <a:p>
             <a:fld id="{8B2F8DF3-7CFE-4C7E-A62E-FD00A81FB0CD}" type="datetimeFigureOut">
               <a:rPr lang="en-US" smtClean="0"/>
-              <a:t>7/6/2018</a:t>
+              <a:t>11/2/18</a:t>
             </a:fld>
             <a:endParaRPr lang="en-US"/>
           </a:p>
@@ -413,7 +409,7 @@
           <a:p>
             <a:fld id="{8B2F8DF3-7CFE-4C7E-A62E-FD00A81FB0CD}" type="datetimeFigureOut">
               <a:rPr lang="en-US" smtClean="0"/>
-              <a:t>7/6/2018</a:t>
+              <a:t>11/2/18</a:t>
             </a:fld>
             <a:endParaRPr lang="en-US"/>
           </a:p>
@@ -591,7 +587,7 @@
           <a:p>
             <a:fld id="{8B2F8DF3-7CFE-4C7E-A62E-FD00A81FB0CD}" type="datetimeFigureOut">
               <a:rPr lang="en-US" smtClean="0"/>
-              <a:t>7/6/2018</a:t>
+              <a:t>11/2/18</a:t>
             </a:fld>
             <a:endParaRPr lang="en-US"/>
           </a:p>
@@ -759,7 +755,7 @@
           <a:p>
             <a:fld id="{8B2F8DF3-7CFE-4C7E-A62E-FD00A81FB0CD}" type="datetimeFigureOut">
               <a:rPr lang="en-US" smtClean="0"/>
-              <a:t>7/6/2018</a:t>
+              <a:t>11/2/18</a:t>
             </a:fld>
             <a:endParaRPr lang="en-US"/>
           </a:p>
@@ -1004,7 +1000,7 @@
           <a:p>
             <a:fld id="{8B2F8DF3-7CFE-4C7E-A62E-FD00A81FB0CD}" type="datetimeFigureOut">
               <a:rPr lang="en-US" smtClean="0"/>
-              <a:t>7/6/2018</a:t>
+              <a:t>11/2/18</a:t>
             </a:fld>
             <a:endParaRPr lang="en-US"/>
           </a:p>
@@ -1233,7 +1229,7 @@
           <a:p>
             <a:fld id="{8B2F8DF3-7CFE-4C7E-A62E-FD00A81FB0CD}" type="datetimeFigureOut">
               <a:rPr lang="en-US" smtClean="0"/>
-              <a:t>7/6/2018</a:t>
+              <a:t>11/2/18</a:t>
             </a:fld>
             <a:endParaRPr lang="en-US"/>
           </a:p>
@@ -1597,7 +1593,7 @@
           <a:p>
             <a:fld id="{8B2F8DF3-7CFE-4C7E-A62E-FD00A81FB0CD}" type="datetimeFigureOut">
               <a:rPr lang="en-US" smtClean="0"/>
-              <a:t>7/6/2018</a:t>
+              <a:t>11/2/18</a:t>
             </a:fld>
             <a:endParaRPr lang="en-US"/>
           </a:p>
@@ -1714,7 +1710,7 @@
           <a:p>
             <a:fld id="{8B2F8DF3-7CFE-4C7E-A62E-FD00A81FB0CD}" type="datetimeFigureOut">
               <a:rPr lang="en-US" smtClean="0"/>
-              <a:t>7/6/2018</a:t>
+              <a:t>11/2/18</a:t>
             </a:fld>
             <a:endParaRPr lang="en-US"/>
           </a:p>
@@ -1809,7 +1805,7 @@
           <a:p>
             <a:fld id="{8B2F8DF3-7CFE-4C7E-A62E-FD00A81FB0CD}" type="datetimeFigureOut">
               <a:rPr lang="en-US" smtClean="0"/>
-              <a:t>7/6/2018</a:t>
+              <a:t>11/2/18</a:t>
             </a:fld>
             <a:endParaRPr lang="en-US"/>
           </a:p>
@@ -2084,7 +2080,7 @@
           <a:p>
             <a:fld id="{8B2F8DF3-7CFE-4C7E-A62E-FD00A81FB0CD}" type="datetimeFigureOut">
               <a:rPr lang="en-US" smtClean="0"/>
-              <a:t>7/6/2018</a:t>
+              <a:t>11/2/18</a:t>
             </a:fld>
             <a:endParaRPr lang="en-US"/>
           </a:p>
@@ -2336,7 +2332,7 @@
           <a:p>
             <a:fld id="{8B2F8DF3-7CFE-4C7E-A62E-FD00A81FB0CD}" type="datetimeFigureOut">
               <a:rPr lang="en-US" smtClean="0"/>
-              <a:t>7/6/2018</a:t>
+              <a:t>11/2/18</a:t>
             </a:fld>
             <a:endParaRPr lang="en-US"/>
           </a:p>
@@ -2547,7 +2543,7 @@
           <a:p>
             <a:fld id="{8B2F8DF3-7CFE-4C7E-A62E-FD00A81FB0CD}" type="datetimeFigureOut">
               <a:rPr lang="en-US" smtClean="0"/>
-              <a:t>7/6/2018</a:t>
+              <a:t>11/2/18</a:t>
             </a:fld>
             <a:endParaRPr lang="en-US"/>
           </a:p>
@@ -3011,7 +3007,7 @@
           <p:nvPr>
             <p:extLst>
               <p:ext uri="{D42A27DB-BD31-4B8C-83A1-F6EECF244321}">
-                <p14:modId xmlns:p14="http://schemas.microsoft.com/office/powerpoint/2010/main" val="1292556626"/>
+                <p14:modId xmlns:p14="http://schemas.microsoft.com/office/powerpoint/2010/main" val="1114813888"/>
               </p:ext>
             </p:extLst>
           </p:nvPr>
@@ -3042,14 +3038,9 @@
                     <a:lstStyle/>
                     <a:p>
                       <a:r>
-                        <a:rPr lang="en-SG" u="sng" dirty="0"/>
-                        <a:t>ab0:</a:t>
+                        <a:rPr lang="en-SG" sz="1600" u="sng" dirty="0"/>
+                        <a:t>em0:EventManager</a:t>
                       </a:r>
-                      <a:r>
-                        <a:rPr lang="en-SG" sz="1800" u="sng" dirty="0"/>
-                        <a:t>AddressBook</a:t>
-                      </a:r>
-                      <a:endParaRPr lang="en-SG" sz="1600" u="sng" dirty="0"/>
                     </a:p>
                   </a:txBody>
                   <a:tcPr/>

--- a/docs/diagrams/UndoRedoStartingStateListDiagram.pptx
+++ b/docs/diagrams/UndoRedoStartingStateListDiagram.pptx
@@ -112,10 +112,6 @@
 </p:presentation>
 </file>
 
-<file path=ppt/revisionInfo.xml><?xml version="1.0" encoding="utf-8"?>
-<p1510:revInfo xmlns:a="http://schemas.openxmlformats.org/drawingml/2006/main" xmlns:r="http://schemas.openxmlformats.org/officeDocument/2006/relationships" xmlns:p1510="http://schemas.microsoft.com/office/powerpoint/2015/10/main"/>
-</file>
-
 <file path=ppt/slideLayouts/slideLayout1.xml><?xml version="1.0" encoding="utf-8"?>
 <p:sldLayout xmlns:a="http://schemas.openxmlformats.org/drawingml/2006/main" xmlns:r="http://schemas.openxmlformats.org/officeDocument/2006/relationships" xmlns:p="http://schemas.openxmlformats.org/presentationml/2006/main" type="title" preserve="1">
   <p:cSld name="Title Slide">
@@ -245,7 +241,7 @@
           <a:p>
             <a:fld id="{8B2F8DF3-7CFE-4C7E-A62E-FD00A81FB0CD}" type="datetimeFigureOut">
               <a:rPr lang="en-US" smtClean="0"/>
-              <a:t>7/6/2018</a:t>
+              <a:t>11/10/2018</a:t>
             </a:fld>
             <a:endParaRPr lang="en-US"/>
           </a:p>
@@ -413,7 +409,7 @@
           <a:p>
             <a:fld id="{8B2F8DF3-7CFE-4C7E-A62E-FD00A81FB0CD}" type="datetimeFigureOut">
               <a:rPr lang="en-US" smtClean="0"/>
-              <a:t>7/6/2018</a:t>
+              <a:t>11/10/2018</a:t>
             </a:fld>
             <a:endParaRPr lang="en-US"/>
           </a:p>
@@ -591,7 +587,7 @@
           <a:p>
             <a:fld id="{8B2F8DF3-7CFE-4C7E-A62E-FD00A81FB0CD}" type="datetimeFigureOut">
               <a:rPr lang="en-US" smtClean="0"/>
-              <a:t>7/6/2018</a:t>
+              <a:t>11/10/2018</a:t>
             </a:fld>
             <a:endParaRPr lang="en-US"/>
           </a:p>
@@ -759,7 +755,7 @@
           <a:p>
             <a:fld id="{8B2F8DF3-7CFE-4C7E-A62E-FD00A81FB0CD}" type="datetimeFigureOut">
               <a:rPr lang="en-US" smtClean="0"/>
-              <a:t>7/6/2018</a:t>
+              <a:t>11/10/2018</a:t>
             </a:fld>
             <a:endParaRPr lang="en-US"/>
           </a:p>
@@ -1004,7 +1000,7 @@
           <a:p>
             <a:fld id="{8B2F8DF3-7CFE-4C7E-A62E-FD00A81FB0CD}" type="datetimeFigureOut">
               <a:rPr lang="en-US" smtClean="0"/>
-              <a:t>7/6/2018</a:t>
+              <a:t>11/10/2018</a:t>
             </a:fld>
             <a:endParaRPr lang="en-US"/>
           </a:p>
@@ -1233,7 +1229,7 @@
           <a:p>
             <a:fld id="{8B2F8DF3-7CFE-4C7E-A62E-FD00A81FB0CD}" type="datetimeFigureOut">
               <a:rPr lang="en-US" smtClean="0"/>
-              <a:t>7/6/2018</a:t>
+              <a:t>11/10/2018</a:t>
             </a:fld>
             <a:endParaRPr lang="en-US"/>
           </a:p>
@@ -1597,7 +1593,7 @@
           <a:p>
             <a:fld id="{8B2F8DF3-7CFE-4C7E-A62E-FD00A81FB0CD}" type="datetimeFigureOut">
               <a:rPr lang="en-US" smtClean="0"/>
-              <a:t>7/6/2018</a:t>
+              <a:t>11/10/2018</a:t>
             </a:fld>
             <a:endParaRPr lang="en-US"/>
           </a:p>
@@ -1714,7 +1710,7 @@
           <a:p>
             <a:fld id="{8B2F8DF3-7CFE-4C7E-A62E-FD00A81FB0CD}" type="datetimeFigureOut">
               <a:rPr lang="en-US" smtClean="0"/>
-              <a:t>7/6/2018</a:t>
+              <a:t>11/10/2018</a:t>
             </a:fld>
             <a:endParaRPr lang="en-US"/>
           </a:p>
@@ -1809,7 +1805,7 @@
           <a:p>
             <a:fld id="{8B2F8DF3-7CFE-4C7E-A62E-FD00A81FB0CD}" type="datetimeFigureOut">
               <a:rPr lang="en-US" smtClean="0"/>
-              <a:t>7/6/2018</a:t>
+              <a:t>11/10/2018</a:t>
             </a:fld>
             <a:endParaRPr lang="en-US"/>
           </a:p>
@@ -2084,7 +2080,7 @@
           <a:p>
             <a:fld id="{8B2F8DF3-7CFE-4C7E-A62E-FD00A81FB0CD}" type="datetimeFigureOut">
               <a:rPr lang="en-US" smtClean="0"/>
-              <a:t>7/6/2018</a:t>
+              <a:t>11/10/2018</a:t>
             </a:fld>
             <a:endParaRPr lang="en-US"/>
           </a:p>
@@ -2336,7 +2332,7 @@
           <a:p>
             <a:fld id="{8B2F8DF3-7CFE-4C7E-A62E-FD00A81FB0CD}" type="datetimeFigureOut">
               <a:rPr lang="en-US" smtClean="0"/>
-              <a:t>7/6/2018</a:t>
+              <a:t>11/10/2018</a:t>
             </a:fld>
             <a:endParaRPr lang="en-US"/>
           </a:p>
@@ -2547,7 +2543,7 @@
           <a:p>
             <a:fld id="{8B2F8DF3-7CFE-4C7E-A62E-FD00A81FB0CD}" type="datetimeFigureOut">
               <a:rPr lang="en-US" smtClean="0"/>
-              <a:t>7/6/2018</a:t>
+              <a:t>11/10/2018</a:t>
             </a:fld>
             <a:endParaRPr lang="en-US"/>
           </a:p>
@@ -3011,14 +3007,14 @@
           <p:nvPr>
             <p:extLst>
               <p:ext uri="{D42A27DB-BD31-4B8C-83A1-F6EECF244321}">
-                <p14:modId xmlns:p14="http://schemas.microsoft.com/office/powerpoint/2010/main" val="1292556626"/>
+                <p14:modId xmlns:p14="http://schemas.microsoft.com/office/powerpoint/2010/main" val="1646780853"/>
               </p:ext>
             </p:extLst>
           </p:nvPr>
         </p:nvGraphicFramePr>
         <p:xfrm>
           <a:off x="637997" y="2769442"/>
-          <a:ext cx="1833356" cy="410363"/>
+          <a:ext cx="2096411" cy="410363"/>
         </p:xfrm>
         <a:graphic>
           <a:graphicData uri="http://schemas.openxmlformats.org/drawingml/2006/table">
@@ -3027,7 +3023,7 @@
                 <a:tableStyleId>{638B1855-1B75-4FBE-930C-398BA8C253C6}</a:tableStyleId>
               </a:tblPr>
               <a:tblGrid>
-                <a:gridCol w="1833356">
+                <a:gridCol w="2096411">
                   <a:extLst>
                     <a:ext uri="{9D8B030D-6E8A-4147-A177-3AD203B41FA5}">
                       <a16:colId xmlns:a16="http://schemas.microsoft.com/office/drawing/2014/main" val="4240773277"/>
@@ -3043,11 +3039,7 @@
                     <a:p>
                       <a:r>
                         <a:rPr lang="en-SG" u="sng" dirty="0"/>
-                        <a:t>ab0:</a:t>
-                      </a:r>
-                      <a:r>
-                        <a:rPr lang="en-SG" sz="1800" u="sng" dirty="0"/>
-                        <a:t>AddressBook</a:t>
+                        <a:t>fp0:FinancialPlanner</a:t>
                       </a:r>
                       <a:endParaRPr lang="en-SG" sz="1600" u="sng" dirty="0"/>
                     </a:p>

--- a/docs/diagrams/UndoRedoStartingStateListDiagram.pptx
+++ b/docs/diagrams/UndoRedoStartingStateListDiagram.pptx
@@ -112,10 +112,6 @@
 </p:presentation>
 </file>
 
-<file path=ppt/revisionInfo.xml><?xml version="1.0" encoding="utf-8"?>
-<p1510:revInfo xmlns:a="http://schemas.openxmlformats.org/drawingml/2006/main" xmlns:r="http://schemas.openxmlformats.org/officeDocument/2006/relationships" xmlns:p1510="http://schemas.microsoft.com/office/powerpoint/2015/10/main"/>
-</file>
-
 <file path=ppt/slideLayouts/slideLayout1.xml><?xml version="1.0" encoding="utf-8"?>
 <p:sldLayout xmlns:a="http://schemas.openxmlformats.org/drawingml/2006/main" xmlns:r="http://schemas.openxmlformats.org/officeDocument/2006/relationships" xmlns:p="http://schemas.openxmlformats.org/presentationml/2006/main" type="title" preserve="1">
   <p:cSld name="Title Slide">
@@ -245,7 +241,7 @@
           <a:p>
             <a:fld id="{8B2F8DF3-7CFE-4C7E-A62E-FD00A81FB0CD}" type="datetimeFigureOut">
               <a:rPr lang="en-US" smtClean="0"/>
-              <a:t>7/6/2018</a:t>
+              <a:t>11/12/2018</a:t>
             </a:fld>
             <a:endParaRPr lang="en-US"/>
           </a:p>
@@ -413,7 +409,7 @@
           <a:p>
             <a:fld id="{8B2F8DF3-7CFE-4C7E-A62E-FD00A81FB0CD}" type="datetimeFigureOut">
               <a:rPr lang="en-US" smtClean="0"/>
-              <a:t>7/6/2018</a:t>
+              <a:t>11/12/2018</a:t>
             </a:fld>
             <a:endParaRPr lang="en-US"/>
           </a:p>
@@ -591,7 +587,7 @@
           <a:p>
             <a:fld id="{8B2F8DF3-7CFE-4C7E-A62E-FD00A81FB0CD}" type="datetimeFigureOut">
               <a:rPr lang="en-US" smtClean="0"/>
-              <a:t>7/6/2018</a:t>
+              <a:t>11/12/2018</a:t>
             </a:fld>
             <a:endParaRPr lang="en-US"/>
           </a:p>
@@ -759,7 +755,7 @@
           <a:p>
             <a:fld id="{8B2F8DF3-7CFE-4C7E-A62E-FD00A81FB0CD}" type="datetimeFigureOut">
               <a:rPr lang="en-US" smtClean="0"/>
-              <a:t>7/6/2018</a:t>
+              <a:t>11/12/2018</a:t>
             </a:fld>
             <a:endParaRPr lang="en-US"/>
           </a:p>
@@ -1004,7 +1000,7 @@
           <a:p>
             <a:fld id="{8B2F8DF3-7CFE-4C7E-A62E-FD00A81FB0CD}" type="datetimeFigureOut">
               <a:rPr lang="en-US" smtClean="0"/>
-              <a:t>7/6/2018</a:t>
+              <a:t>11/12/2018</a:t>
             </a:fld>
             <a:endParaRPr lang="en-US"/>
           </a:p>
@@ -1233,7 +1229,7 @@
           <a:p>
             <a:fld id="{8B2F8DF3-7CFE-4C7E-A62E-FD00A81FB0CD}" type="datetimeFigureOut">
               <a:rPr lang="en-US" smtClean="0"/>
-              <a:t>7/6/2018</a:t>
+              <a:t>11/12/2018</a:t>
             </a:fld>
             <a:endParaRPr lang="en-US"/>
           </a:p>
@@ -1597,7 +1593,7 @@
           <a:p>
             <a:fld id="{8B2F8DF3-7CFE-4C7E-A62E-FD00A81FB0CD}" type="datetimeFigureOut">
               <a:rPr lang="en-US" smtClean="0"/>
-              <a:t>7/6/2018</a:t>
+              <a:t>11/12/2018</a:t>
             </a:fld>
             <a:endParaRPr lang="en-US"/>
           </a:p>
@@ -1714,7 +1710,7 @@
           <a:p>
             <a:fld id="{8B2F8DF3-7CFE-4C7E-A62E-FD00A81FB0CD}" type="datetimeFigureOut">
               <a:rPr lang="en-US" smtClean="0"/>
-              <a:t>7/6/2018</a:t>
+              <a:t>11/12/2018</a:t>
             </a:fld>
             <a:endParaRPr lang="en-US"/>
           </a:p>
@@ -1809,7 +1805,7 @@
           <a:p>
             <a:fld id="{8B2F8DF3-7CFE-4C7E-A62E-FD00A81FB0CD}" type="datetimeFigureOut">
               <a:rPr lang="en-US" smtClean="0"/>
-              <a:t>7/6/2018</a:t>
+              <a:t>11/12/2018</a:t>
             </a:fld>
             <a:endParaRPr lang="en-US"/>
           </a:p>
@@ -2084,7 +2080,7 @@
           <a:p>
             <a:fld id="{8B2F8DF3-7CFE-4C7E-A62E-FD00A81FB0CD}" type="datetimeFigureOut">
               <a:rPr lang="en-US" smtClean="0"/>
-              <a:t>7/6/2018</a:t>
+              <a:t>11/12/2018</a:t>
             </a:fld>
             <a:endParaRPr lang="en-US"/>
           </a:p>
@@ -2336,7 +2332,7 @@
           <a:p>
             <a:fld id="{8B2F8DF3-7CFE-4C7E-A62E-FD00A81FB0CD}" type="datetimeFigureOut">
               <a:rPr lang="en-US" smtClean="0"/>
-              <a:t>7/6/2018</a:t>
+              <a:t>11/12/2018</a:t>
             </a:fld>
             <a:endParaRPr lang="en-US"/>
           </a:p>
@@ -2547,7 +2543,7 @@
           <a:p>
             <a:fld id="{8B2F8DF3-7CFE-4C7E-A62E-FD00A81FB0CD}" type="datetimeFigureOut">
               <a:rPr lang="en-US" smtClean="0"/>
-              <a:t>7/6/2018</a:t>
+              <a:t>11/12/2018</a:t>
             </a:fld>
             <a:endParaRPr lang="en-US"/>
           </a:p>
@@ -2936,8 +2932,18 @@
 </file>
 
 <file path=ppt/slides/slide1.xml><?xml version="1.0" encoding="utf-8"?>
-<p:sld xmlns:a="http://schemas.openxmlformats.org/drawingml/2006/main" xmlns:r="http://schemas.openxmlformats.org/officeDocument/2006/relationships" xmlns:p="http://schemas.openxmlformats.org/presentationml/2006/main">
+<p:sld xmlns:a="http://schemas.openxmlformats.org/drawingml/2006/main" xmlns:r="http://schemas.openxmlformats.org/officeDocument/2006/relationships" xmlns:p="http://schemas.openxmlformats.org/presentationml/2006/main" showMasterSp="0" show="0">
   <p:cSld>
+    <p:bg>
+      <p:bgPr>
+        <a:solidFill>
+          <a:schemeClr val="accent1">
+            <a:alpha val="0"/>
+          </a:schemeClr>
+        </a:solidFill>
+        <a:effectLst/>
+      </p:bgPr>
+    </p:bg>
     <p:spTree>
       <p:nvGrpSpPr>
         <p:cNvPr id="1" name=""/>
@@ -3011,7 +3017,7 @@
           <p:nvPr>
             <p:extLst>
               <p:ext uri="{D42A27DB-BD31-4B8C-83A1-F6EECF244321}">
-                <p14:modId xmlns:p14="http://schemas.microsoft.com/office/powerpoint/2010/main" val="1292556626"/>
+                <p14:modId xmlns:p14="http://schemas.microsoft.com/office/powerpoint/2010/main" val="68156427"/>
               </p:ext>
             </p:extLst>
           </p:nvPr>
@@ -3041,13 +3047,10 @@
                     <a:bodyPr/>
                     <a:lstStyle/>
                     <a:p>
+                      <a:pPr algn="ctr"/>
                       <a:r>
                         <a:rPr lang="en-SG" u="sng" dirty="0"/>
-                        <a:t>ab0:</a:t>
-                      </a:r>
-                      <a:r>
-                        <a:rPr lang="en-SG" sz="1800" u="sng" dirty="0"/>
-                        <a:t>AddressBook</a:t>
+                        <a:t>rb0:RecruitBook</a:t>
                       </a:r>
                       <a:endParaRPr lang="en-SG" sz="1600" u="sng" dirty="0"/>
                     </a:p>
@@ -3106,7 +3109,7 @@
           <a:lstStyle/>
           <a:p>
             <a:pPr algn="ctr"/>
-            <a:endParaRPr lang="en-US"/>
+            <a:endParaRPr lang="en-US" dirty="0"/>
           </a:p>
         </p:txBody>
       </p:sp>

--- a/docs/diagrams/UndoRedoStartingStateListDiagram.pptx
+++ b/docs/diagrams/UndoRedoStartingStateListDiagram.pptx
@@ -112,10 +112,6 @@
 </p:presentation>
 </file>
 
-<file path=ppt/revisionInfo.xml><?xml version="1.0" encoding="utf-8"?>
-<p1510:revInfo xmlns:a="http://schemas.openxmlformats.org/drawingml/2006/main" xmlns:r="http://schemas.openxmlformats.org/officeDocument/2006/relationships" xmlns:p1510="http://schemas.microsoft.com/office/powerpoint/2015/10/main"/>
-</file>
-
 <file path=ppt/slideLayouts/slideLayout1.xml><?xml version="1.0" encoding="utf-8"?>
 <p:sldLayout xmlns:a="http://schemas.openxmlformats.org/drawingml/2006/main" xmlns:r="http://schemas.openxmlformats.org/officeDocument/2006/relationships" xmlns:p="http://schemas.openxmlformats.org/presentationml/2006/main" type="title" preserve="1">
   <p:cSld name="Title Slide">
@@ -245,7 +241,7 @@
           <a:p>
             <a:fld id="{8B2F8DF3-7CFE-4C7E-A62E-FD00A81FB0CD}" type="datetimeFigureOut">
               <a:rPr lang="en-US" smtClean="0"/>
-              <a:t>7/6/2018</a:t>
+              <a:t>11/12/2018</a:t>
             </a:fld>
             <a:endParaRPr lang="en-US"/>
           </a:p>
@@ -413,7 +409,7 @@
           <a:p>
             <a:fld id="{8B2F8DF3-7CFE-4C7E-A62E-FD00A81FB0CD}" type="datetimeFigureOut">
               <a:rPr lang="en-US" smtClean="0"/>
-              <a:t>7/6/2018</a:t>
+              <a:t>11/12/2018</a:t>
             </a:fld>
             <a:endParaRPr lang="en-US"/>
           </a:p>
@@ -591,7 +587,7 @@
           <a:p>
             <a:fld id="{8B2F8DF3-7CFE-4C7E-A62E-FD00A81FB0CD}" type="datetimeFigureOut">
               <a:rPr lang="en-US" smtClean="0"/>
-              <a:t>7/6/2018</a:t>
+              <a:t>11/12/2018</a:t>
             </a:fld>
             <a:endParaRPr lang="en-US"/>
           </a:p>
@@ -759,7 +755,7 @@
           <a:p>
             <a:fld id="{8B2F8DF3-7CFE-4C7E-A62E-FD00A81FB0CD}" type="datetimeFigureOut">
               <a:rPr lang="en-US" smtClean="0"/>
-              <a:t>7/6/2018</a:t>
+              <a:t>11/12/2018</a:t>
             </a:fld>
             <a:endParaRPr lang="en-US"/>
           </a:p>
@@ -1004,7 +1000,7 @@
           <a:p>
             <a:fld id="{8B2F8DF3-7CFE-4C7E-A62E-FD00A81FB0CD}" type="datetimeFigureOut">
               <a:rPr lang="en-US" smtClean="0"/>
-              <a:t>7/6/2018</a:t>
+              <a:t>11/12/2018</a:t>
             </a:fld>
             <a:endParaRPr lang="en-US"/>
           </a:p>
@@ -1233,7 +1229,7 @@
           <a:p>
             <a:fld id="{8B2F8DF3-7CFE-4C7E-A62E-FD00A81FB0CD}" type="datetimeFigureOut">
               <a:rPr lang="en-US" smtClean="0"/>
-              <a:t>7/6/2018</a:t>
+              <a:t>11/12/2018</a:t>
             </a:fld>
             <a:endParaRPr lang="en-US"/>
           </a:p>
@@ -1597,7 +1593,7 @@
           <a:p>
             <a:fld id="{8B2F8DF3-7CFE-4C7E-A62E-FD00A81FB0CD}" type="datetimeFigureOut">
               <a:rPr lang="en-US" smtClean="0"/>
-              <a:t>7/6/2018</a:t>
+              <a:t>11/12/2018</a:t>
             </a:fld>
             <a:endParaRPr lang="en-US"/>
           </a:p>
@@ -1714,7 +1710,7 @@
           <a:p>
             <a:fld id="{8B2F8DF3-7CFE-4C7E-A62E-FD00A81FB0CD}" type="datetimeFigureOut">
               <a:rPr lang="en-US" smtClean="0"/>
-              <a:t>7/6/2018</a:t>
+              <a:t>11/12/2018</a:t>
             </a:fld>
             <a:endParaRPr lang="en-US"/>
           </a:p>
@@ -1809,7 +1805,7 @@
           <a:p>
             <a:fld id="{8B2F8DF3-7CFE-4C7E-A62E-FD00A81FB0CD}" type="datetimeFigureOut">
               <a:rPr lang="en-US" smtClean="0"/>
-              <a:t>7/6/2018</a:t>
+              <a:t>11/12/2018</a:t>
             </a:fld>
             <a:endParaRPr lang="en-US"/>
           </a:p>
@@ -2084,7 +2080,7 @@
           <a:p>
             <a:fld id="{8B2F8DF3-7CFE-4C7E-A62E-FD00A81FB0CD}" type="datetimeFigureOut">
               <a:rPr lang="en-US" smtClean="0"/>
-              <a:t>7/6/2018</a:t>
+              <a:t>11/12/2018</a:t>
             </a:fld>
             <a:endParaRPr lang="en-US"/>
           </a:p>
@@ -2336,7 +2332,7 @@
           <a:p>
             <a:fld id="{8B2F8DF3-7CFE-4C7E-A62E-FD00A81FB0CD}" type="datetimeFigureOut">
               <a:rPr lang="en-US" smtClean="0"/>
-              <a:t>7/6/2018</a:t>
+              <a:t>11/12/2018</a:t>
             </a:fld>
             <a:endParaRPr lang="en-US"/>
           </a:p>
@@ -2547,7 +2543,7 @@
           <a:p>
             <a:fld id="{8B2F8DF3-7CFE-4C7E-A62E-FD00A81FB0CD}" type="datetimeFigureOut">
               <a:rPr lang="en-US" smtClean="0"/>
-              <a:t>7/6/2018</a:t>
+              <a:t>11/12/2018</a:t>
             </a:fld>
             <a:endParaRPr lang="en-US"/>
           </a:p>
@@ -3011,7 +3007,7 @@
           <p:nvPr>
             <p:extLst>
               <p:ext uri="{D42A27DB-BD31-4B8C-83A1-F6EECF244321}">
-                <p14:modId xmlns:p14="http://schemas.microsoft.com/office/powerpoint/2010/main" val="1292556626"/>
+                <p14:modId xmlns:p14="http://schemas.microsoft.com/office/powerpoint/2010/main" val="2481924365"/>
               </p:ext>
             </p:extLst>
           </p:nvPr>
@@ -3041,13 +3037,14 @@
                     <a:bodyPr/>
                     <a:lstStyle/>
                     <a:p>
+                      <a:pPr algn="ctr"/>
                       <a:r>
                         <a:rPr lang="en-SG" u="sng" dirty="0"/>
                         <a:t>ab0:</a:t>
                       </a:r>
                       <a:r>
                         <a:rPr lang="en-SG" sz="1800" u="sng" dirty="0"/>
-                        <a:t>AddressBook</a:t>
+                        <a:t>StockList</a:t>
                       </a:r>
                       <a:endParaRPr lang="en-SG" sz="1600" u="sng" dirty="0"/>
                     </a:p>

--- a/docs/diagrams/UndoRedoStartingStateListDiagram.pptx
+++ b/docs/diagrams/UndoRedoStartingStateListDiagram.pptx
@@ -112,10 +112,6 @@
 </p:presentation>
 </file>
 
-<file path=ppt/revisionInfo.xml><?xml version="1.0" encoding="utf-8"?>
-<p1510:revInfo xmlns:a="http://schemas.openxmlformats.org/drawingml/2006/main" xmlns:r="http://schemas.openxmlformats.org/officeDocument/2006/relationships" xmlns:p1510="http://schemas.microsoft.com/office/powerpoint/2015/10/main"/>
-</file>
-
 <file path=ppt/slideLayouts/slideLayout1.xml><?xml version="1.0" encoding="utf-8"?>
 <p:sldLayout xmlns:a="http://schemas.openxmlformats.org/drawingml/2006/main" xmlns:r="http://schemas.openxmlformats.org/officeDocument/2006/relationships" xmlns:p="http://schemas.openxmlformats.org/presentationml/2006/main" type="title" preserve="1">
   <p:cSld name="Title Slide">
@@ -245,7 +241,7 @@
           <a:p>
             <a:fld id="{8B2F8DF3-7CFE-4C7E-A62E-FD00A81FB0CD}" type="datetimeFigureOut">
               <a:rPr lang="en-US" smtClean="0"/>
-              <a:t>7/6/2018</a:t>
+              <a:t>11/12/18</a:t>
             </a:fld>
             <a:endParaRPr lang="en-US"/>
           </a:p>
@@ -413,7 +409,7 @@
           <a:p>
             <a:fld id="{8B2F8DF3-7CFE-4C7E-A62E-FD00A81FB0CD}" type="datetimeFigureOut">
               <a:rPr lang="en-US" smtClean="0"/>
-              <a:t>7/6/2018</a:t>
+              <a:t>11/12/18</a:t>
             </a:fld>
             <a:endParaRPr lang="en-US"/>
           </a:p>
@@ -591,7 +587,7 @@
           <a:p>
             <a:fld id="{8B2F8DF3-7CFE-4C7E-A62E-FD00A81FB0CD}" type="datetimeFigureOut">
               <a:rPr lang="en-US" smtClean="0"/>
-              <a:t>7/6/2018</a:t>
+              <a:t>11/12/18</a:t>
             </a:fld>
             <a:endParaRPr lang="en-US"/>
           </a:p>
@@ -759,7 +755,7 @@
           <a:p>
             <a:fld id="{8B2F8DF3-7CFE-4C7E-A62E-FD00A81FB0CD}" type="datetimeFigureOut">
               <a:rPr lang="en-US" smtClean="0"/>
-              <a:t>7/6/2018</a:t>
+              <a:t>11/12/18</a:t>
             </a:fld>
             <a:endParaRPr lang="en-US"/>
           </a:p>
@@ -1004,7 +1000,7 @@
           <a:p>
             <a:fld id="{8B2F8DF3-7CFE-4C7E-A62E-FD00A81FB0CD}" type="datetimeFigureOut">
               <a:rPr lang="en-US" smtClean="0"/>
-              <a:t>7/6/2018</a:t>
+              <a:t>11/12/18</a:t>
             </a:fld>
             <a:endParaRPr lang="en-US"/>
           </a:p>
@@ -1233,7 +1229,7 @@
           <a:p>
             <a:fld id="{8B2F8DF3-7CFE-4C7E-A62E-FD00A81FB0CD}" type="datetimeFigureOut">
               <a:rPr lang="en-US" smtClean="0"/>
-              <a:t>7/6/2018</a:t>
+              <a:t>11/12/18</a:t>
             </a:fld>
             <a:endParaRPr lang="en-US"/>
           </a:p>
@@ -1597,7 +1593,7 @@
           <a:p>
             <a:fld id="{8B2F8DF3-7CFE-4C7E-A62E-FD00A81FB0CD}" type="datetimeFigureOut">
               <a:rPr lang="en-US" smtClean="0"/>
-              <a:t>7/6/2018</a:t>
+              <a:t>11/12/18</a:t>
             </a:fld>
             <a:endParaRPr lang="en-US"/>
           </a:p>
@@ -1714,7 +1710,7 @@
           <a:p>
             <a:fld id="{8B2F8DF3-7CFE-4C7E-A62E-FD00A81FB0CD}" type="datetimeFigureOut">
               <a:rPr lang="en-US" smtClean="0"/>
-              <a:t>7/6/2018</a:t>
+              <a:t>11/12/18</a:t>
             </a:fld>
             <a:endParaRPr lang="en-US"/>
           </a:p>
@@ -1809,7 +1805,7 @@
           <a:p>
             <a:fld id="{8B2F8DF3-7CFE-4C7E-A62E-FD00A81FB0CD}" type="datetimeFigureOut">
               <a:rPr lang="en-US" smtClean="0"/>
-              <a:t>7/6/2018</a:t>
+              <a:t>11/12/18</a:t>
             </a:fld>
             <a:endParaRPr lang="en-US"/>
           </a:p>
@@ -2084,7 +2080,7 @@
           <a:p>
             <a:fld id="{8B2F8DF3-7CFE-4C7E-A62E-FD00A81FB0CD}" type="datetimeFigureOut">
               <a:rPr lang="en-US" smtClean="0"/>
-              <a:t>7/6/2018</a:t>
+              <a:t>11/12/18</a:t>
             </a:fld>
             <a:endParaRPr lang="en-US"/>
           </a:p>
@@ -2336,7 +2332,7 @@
           <a:p>
             <a:fld id="{8B2F8DF3-7CFE-4C7E-A62E-FD00A81FB0CD}" type="datetimeFigureOut">
               <a:rPr lang="en-US" smtClean="0"/>
-              <a:t>7/6/2018</a:t>
+              <a:t>11/12/18</a:t>
             </a:fld>
             <a:endParaRPr lang="en-US"/>
           </a:p>
@@ -2547,7 +2543,7 @@
           <a:p>
             <a:fld id="{8B2F8DF3-7CFE-4C7E-A62E-FD00A81FB0CD}" type="datetimeFigureOut">
               <a:rPr lang="en-US" smtClean="0"/>
-              <a:t>7/6/2018</a:t>
+              <a:t>11/12/18</a:t>
             </a:fld>
             <a:endParaRPr lang="en-US"/>
           </a:p>
@@ -2952,208 +2948,42 @@
           <a:chExt cx="0" cy="0"/>
         </a:xfrm>
       </p:grpSpPr>
-      <p:sp>
-        <p:nvSpPr>
-          <p:cNvPr id="4" name="TextBox 3">
+      <p:pic>
+        <p:nvPicPr>
+          <p:cNvPr id="8" name="Picture 7">
             <a:extLst>
               <a:ext uri="{FF2B5EF4-FFF2-40B4-BE49-F238E27FC236}">
-                <a16:creationId xmlns:a16="http://schemas.microsoft.com/office/drawing/2014/main" id="{3151A13B-9509-43FA-BFEB-1D9866A00B84}"/>
+                <a16:creationId xmlns:a16="http://schemas.microsoft.com/office/drawing/2014/main" id="{ED558ABF-C252-8B4B-BFB4-2918F14CDA64}"/>
               </a:ext>
             </a:extLst>
           </p:cNvPr>
-          <p:cNvSpPr txBox="1"/>
+          <p:cNvPicPr>
+            <a:picLocks noChangeAspect="1"/>
+          </p:cNvPicPr>
           <p:nvPr/>
-        </p:nvSpPr>
+        </p:nvPicPr>
+        <p:blipFill>
+          <a:blip r:embed="rId2">
+            <a:extLst>
+              <a:ext uri="{28A0092B-C50C-407E-A947-70E740481C1C}">
+                <a14:useLocalDpi xmlns:a14="http://schemas.microsoft.com/office/drawing/2010/main" val="0"/>
+              </a:ext>
+            </a:extLst>
+          </a:blip>
+          <a:stretch>
+            <a:fillRect/>
+          </a:stretch>
+        </p:blipFill>
         <p:spPr>
           <a:xfrm>
-            <a:off x="164757" y="4054080"/>
-            <a:ext cx="3207000" cy="369332"/>
+            <a:off x="2031397" y="2487723"/>
+            <a:ext cx="8129206" cy="1882553"/>
           </a:xfrm>
           <a:prstGeom prst="rect">
             <a:avLst/>
           </a:prstGeom>
-          <a:noFill/>
         </p:spPr>
-        <p:txBody>
-          <a:bodyPr wrap="square" rtlCol="0">
-            <a:spAutoFit/>
-          </a:bodyPr>
-          <a:lstStyle/>
-          <a:p>
-            <a:pPr algn="ctr"/>
-            <a:r>
-              <a:rPr lang="en-SG" dirty="0" err="1">
-                <a:latin typeface="Consolas" panose="020B0609020204030204" pitchFamily="49" charset="0"/>
-              </a:rPr>
-              <a:t>currentStatePointer</a:t>
-            </a:r>
-            <a:r>
-              <a:rPr lang="en-SG" dirty="0">
-                <a:latin typeface="Consolas" panose="020B0609020204030204" pitchFamily="49" charset="0"/>
-              </a:rPr>
-              <a:t> = 0</a:t>
-            </a:r>
-          </a:p>
-        </p:txBody>
-      </p:sp>
-      <p:graphicFrame>
-        <p:nvGraphicFramePr>
-          <p:cNvPr id="5" name="Table 4">
-            <a:extLst>
-              <a:ext uri="{FF2B5EF4-FFF2-40B4-BE49-F238E27FC236}">
-                <a16:creationId xmlns:a16="http://schemas.microsoft.com/office/drawing/2014/main" id="{F545FAB8-F1CE-4886-9BDE-E772BCB0A9C4}"/>
-              </a:ext>
-            </a:extLst>
-          </p:cNvPr>
-          <p:cNvGraphicFramePr>
-            <a:graphicFrameLocks noGrp="1"/>
-          </p:cNvGraphicFramePr>
-          <p:nvPr>
-            <p:extLst>
-              <p:ext uri="{D42A27DB-BD31-4B8C-83A1-F6EECF244321}">
-                <p14:modId xmlns:p14="http://schemas.microsoft.com/office/powerpoint/2010/main" val="1292556626"/>
-              </p:ext>
-            </p:extLst>
-          </p:nvPr>
-        </p:nvGraphicFramePr>
-        <p:xfrm>
-          <a:off x="637997" y="2769442"/>
-          <a:ext cx="1833356" cy="410363"/>
-        </p:xfrm>
-        <a:graphic>
-          <a:graphicData uri="http://schemas.openxmlformats.org/drawingml/2006/table">
-            <a:tbl>
-              <a:tblPr>
-                <a:tableStyleId>{638B1855-1B75-4FBE-930C-398BA8C253C6}</a:tableStyleId>
-              </a:tblPr>
-              <a:tblGrid>
-                <a:gridCol w="1833356">
-                  <a:extLst>
-                    <a:ext uri="{9D8B030D-6E8A-4147-A177-3AD203B41FA5}">
-                      <a16:colId xmlns:a16="http://schemas.microsoft.com/office/drawing/2014/main" val="4240773277"/>
-                    </a:ext>
-                  </a:extLst>
-                </a:gridCol>
-              </a:tblGrid>
-              <a:tr h="410363">
-                <a:tc>
-                  <a:txBody>
-                    <a:bodyPr/>
-                    <a:lstStyle/>
-                    <a:p>
-                      <a:r>
-                        <a:rPr lang="en-SG" u="sng" dirty="0"/>
-                        <a:t>ab0:</a:t>
-                      </a:r>
-                      <a:r>
-                        <a:rPr lang="en-SG" sz="1800" u="sng" dirty="0"/>
-                        <a:t>AddressBook</a:t>
-                      </a:r>
-                      <a:endParaRPr lang="en-SG" sz="1600" u="sng" dirty="0"/>
-                    </a:p>
-                  </a:txBody>
-                  <a:tcPr/>
-                </a:tc>
-                <a:extLst>
-                  <a:ext uri="{0D108BD9-81ED-4DB2-BD59-A6C34878D82A}">
-                    <a16:rowId xmlns:a16="http://schemas.microsoft.com/office/drawing/2014/main" val="2194462629"/>
-                  </a:ext>
-                </a:extLst>
-              </a:tr>
-            </a:tbl>
-          </a:graphicData>
-        </a:graphic>
-      </p:graphicFrame>
-      <p:sp>
-        <p:nvSpPr>
-          <p:cNvPr id="7" name="Rectangle 6"/>
-          <p:cNvSpPr/>
-          <p:nvPr/>
-        </p:nvSpPr>
-        <p:spPr>
-          <a:xfrm>
-            <a:off x="529554" y="2669293"/>
-            <a:ext cx="11364686" cy="618187"/>
-          </a:xfrm>
-          <a:prstGeom prst="rect">
-            <a:avLst/>
-          </a:prstGeom>
-          <a:noFill/>
-          <a:ln>
-            <a:solidFill>
-              <a:schemeClr val="tx1"/>
-            </a:solidFill>
-          </a:ln>
-        </p:spPr>
-        <p:style>
-          <a:lnRef idx="2">
-            <a:schemeClr val="accent1">
-              <a:shade val="50000"/>
-            </a:schemeClr>
-          </a:lnRef>
-          <a:fillRef idx="1">
-            <a:schemeClr val="accent1"/>
-          </a:fillRef>
-          <a:effectRef idx="0">
-            <a:schemeClr val="accent1"/>
-          </a:effectRef>
-          <a:fontRef idx="minor">
-            <a:schemeClr val="lt1"/>
-          </a:fontRef>
-        </p:style>
-        <p:txBody>
-          <a:bodyPr rtlCol="0" anchor="ctr"/>
-          <a:lstStyle/>
-          <a:p>
-            <a:pPr algn="ctr"/>
-            <a:endParaRPr lang="en-US"/>
-          </a:p>
-        </p:txBody>
-      </p:sp>
-      <p:cxnSp>
-        <p:nvCxnSpPr>
-          <p:cNvPr id="3" name="Straight Arrow Connector 2">
-            <a:extLst>
-              <a:ext uri="{FF2B5EF4-FFF2-40B4-BE49-F238E27FC236}">
-                <a16:creationId xmlns:a16="http://schemas.microsoft.com/office/drawing/2014/main" id="{19F1196F-B136-4E44-A8A5-68CAEED3CD2E}"/>
-              </a:ext>
-            </a:extLst>
-          </p:cNvPr>
-          <p:cNvCxnSpPr>
-            <a:cxnSpLocks/>
-          </p:cNvCxnSpPr>
-          <p:nvPr/>
-        </p:nvCxnSpPr>
-        <p:spPr>
-          <a:xfrm flipV="1">
-            <a:off x="1577130" y="3347207"/>
-            <a:ext cx="0" cy="706873"/>
-          </a:xfrm>
-          <a:prstGeom prst="straightConnector1">
-            <a:avLst/>
-          </a:prstGeom>
-          <a:ln>
-            <a:solidFill>
-              <a:srgbClr val="C00000"/>
-            </a:solidFill>
-            <a:tailEnd type="triangle"/>
-          </a:ln>
-        </p:spPr>
-        <p:style>
-          <a:lnRef idx="1">
-            <a:schemeClr val="accent1"/>
-          </a:lnRef>
-          <a:fillRef idx="0">
-            <a:schemeClr val="accent1"/>
-          </a:fillRef>
-          <a:effectRef idx="0">
-            <a:schemeClr val="accent1"/>
-          </a:effectRef>
-          <a:fontRef idx="minor">
-            <a:schemeClr val="tx1"/>
-          </a:fontRef>
-        </p:style>
-      </p:cxnSp>
+      </p:pic>
     </p:spTree>
     <p:extLst>
       <p:ext uri="{BB962C8B-B14F-4D97-AF65-F5344CB8AC3E}">
